--- a/testing-patterns.pptx
+++ b/testing-patterns.pptx
@@ -11961,13 +11961,19 @@
               <a:rPr lang="en-US" dirty="0">
                 <a:hlinkClick r:id="rId2"/>
               </a:rPr>
-              <a:t>https://github.com/kontur-csharper/</a:t>
-            </a:r>
-            <a:r>
-              <a:rPr lang="en-US" b="1" dirty="0">
+              <a:t>https</a:t>
+            </a:r>
+            <a:r>
+              <a:rPr lang="en-US">
                 <a:hlinkClick r:id="rId2"/>
               </a:rPr>
-              <a:t>testing</a:t>
+              <a:t>://github.com/kontur-csharper/</a:t>
+            </a:r>
+            <a:r>
+              <a:rPr lang="en-US" b="1">
+                <a:hlinkClick r:id="rId2"/>
+              </a:rPr>
+              <a:t>testing-patterns</a:t>
             </a:r>
             <a:endParaRPr lang="en-US" b="1" dirty="0"/>
           </a:p>
